--- a/assets/file/WASN2018_Poster.pptx
+++ b/assets/file/WASN2018_Poster.pptx
@@ -4042,86 +4042,6 @@
       </p:grpSpPr>
       <p:sp>
         <p:nvSpPr>
-          <p:cNvPr id="16" name="直角三角形 15"/>
-          <p:cNvSpPr/>
-          <p:nvPr userDrawn="1"/>
-        </p:nvSpPr>
-        <p:spPr>
-          <a:xfrm>
-            <a:off x="-21082" y="26787201"/>
-            <a:ext cx="39100494" cy="5616849"/>
-          </a:xfrm>
-          <a:prstGeom prst="rtTriangle">
-            <a:avLst/>
-          </a:prstGeom>
-        </p:spPr>
-        <p:style>
-          <a:lnRef idx="2">
-            <a:schemeClr val="accent1">
-              <a:shade val="50000"/>
-            </a:schemeClr>
-          </a:lnRef>
-          <a:fillRef idx="1">
-            <a:schemeClr val="accent1"/>
-          </a:fillRef>
-          <a:effectRef idx="0">
-            <a:schemeClr val="accent1"/>
-          </a:effectRef>
-          <a:fontRef idx="minor">
-            <a:schemeClr val="lt1"/>
-          </a:fontRef>
-        </p:style>
-        <p:txBody>
-          <a:bodyPr rtlCol="0" anchor="ctr"/>
-          <a:lstStyle/>
-          <a:p>
-            <a:pPr algn="ctr"/>
-            <a:endParaRPr lang="zh-TW" altLang="en-US"/>
-          </a:p>
-        </p:txBody>
-      </p:sp>
-      <p:sp>
-        <p:nvSpPr>
-          <p:cNvPr id="9" name="直角三角形 8"/>
-          <p:cNvSpPr/>
-          <p:nvPr userDrawn="1"/>
-        </p:nvSpPr>
-        <p:spPr>
-          <a:xfrm rot="10800000">
-            <a:off x="-17497794" y="-1"/>
-            <a:ext cx="39100494" cy="6912993"/>
-          </a:xfrm>
-          <a:prstGeom prst="rtTriangle">
-            <a:avLst/>
-          </a:prstGeom>
-        </p:spPr>
-        <p:style>
-          <a:lnRef idx="2">
-            <a:schemeClr val="accent1">
-              <a:shade val="50000"/>
-            </a:schemeClr>
-          </a:lnRef>
-          <a:fillRef idx="1">
-            <a:schemeClr val="accent1"/>
-          </a:fillRef>
-          <a:effectRef idx="0">
-            <a:schemeClr val="accent1"/>
-          </a:effectRef>
-          <a:fontRef idx="minor">
-            <a:schemeClr val="lt1"/>
-          </a:fontRef>
-        </p:style>
-        <p:txBody>
-          <a:bodyPr rtlCol="0" anchor="ctr"/>
-          <a:lstStyle/>
-          <a:p>
-            <a:pPr algn="ctr"/>
-            <a:endParaRPr lang="zh-TW" altLang="en-US"/>
-          </a:p>
-        </p:txBody>
-      </p:sp>
-      <p:sp>
-        <p:nvSpPr>
           <p:cNvPr id="4" name="日期版面配置區 3"/>
           <p:cNvSpPr>
             <a:spLocks noGrp="1"/>
@@ -4269,6 +4189,268 @@
               <a:t>‹#›</a:t>
             </a:fld>
             <a:endParaRPr lang="zh-TW" altLang="en-US"/>
+          </a:p>
+        </p:txBody>
+      </p:sp>
+      <p:sp>
+        <p:nvSpPr>
+          <p:cNvPr id="10" name="手繪多邊形 9"/>
+          <p:cNvSpPr/>
+          <p:nvPr userDrawn="1"/>
+        </p:nvSpPr>
+        <p:spPr>
+          <a:xfrm>
+            <a:off x="151" y="0"/>
+            <a:ext cx="21602550" cy="6872748"/>
+          </a:xfrm>
+          <a:custGeom>
+            <a:avLst/>
+            <a:gdLst>
+              <a:gd name="connsiteX0" fmla="*/ 0 w 21591639"/>
+              <a:gd name="connsiteY0" fmla="*/ 3038168 h 6872748"/>
+              <a:gd name="connsiteX1" fmla="*/ 21591639 w 21591639"/>
+              <a:gd name="connsiteY1" fmla="*/ 6872748 h 6872748"/>
+              <a:gd name="connsiteX2" fmla="*/ 21591639 w 21591639"/>
+              <a:gd name="connsiteY2" fmla="*/ 0 h 6872748"/>
+              <a:gd name="connsiteX3" fmla="*/ 88491 w 21591639"/>
+              <a:gd name="connsiteY3" fmla="*/ 0 h 6872748"/>
+              <a:gd name="connsiteX4" fmla="*/ 88491 w 21591639"/>
+              <a:gd name="connsiteY4" fmla="*/ 3038168 h 6872748"/>
+              <a:gd name="connsiteX0" fmla="*/ 8767 w 21503148"/>
+              <a:gd name="connsiteY0" fmla="*/ 3040549 h 6872748"/>
+              <a:gd name="connsiteX1" fmla="*/ 21503148 w 21503148"/>
+              <a:gd name="connsiteY1" fmla="*/ 6872748 h 6872748"/>
+              <a:gd name="connsiteX2" fmla="*/ 21503148 w 21503148"/>
+              <a:gd name="connsiteY2" fmla="*/ 0 h 6872748"/>
+              <a:gd name="connsiteX3" fmla="*/ 0 w 21503148"/>
+              <a:gd name="connsiteY3" fmla="*/ 0 h 6872748"/>
+              <a:gd name="connsiteX4" fmla="*/ 0 w 21503148"/>
+              <a:gd name="connsiteY4" fmla="*/ 3038168 h 6872748"/>
+            </a:gdLst>
+            <a:ahLst/>
+            <a:cxnLst>
+              <a:cxn ang="0">
+                <a:pos x="connsiteX0" y="connsiteY0"/>
+              </a:cxn>
+              <a:cxn ang="0">
+                <a:pos x="connsiteX1" y="connsiteY1"/>
+              </a:cxn>
+              <a:cxn ang="0">
+                <a:pos x="connsiteX2" y="connsiteY2"/>
+              </a:cxn>
+              <a:cxn ang="0">
+                <a:pos x="connsiteX3" y="connsiteY3"/>
+              </a:cxn>
+              <a:cxn ang="0">
+                <a:pos x="connsiteX4" y="connsiteY4"/>
+              </a:cxn>
+            </a:cxnLst>
+            <a:rect l="l" t="t" r="r" b="b"/>
+            <a:pathLst>
+              <a:path w="21503148" h="6872748">
+                <a:moveTo>
+                  <a:pt x="8767" y="3040549"/>
+                </a:moveTo>
+                <a:lnTo>
+                  <a:pt x="21503148" y="6872748"/>
+                </a:lnTo>
+                <a:lnTo>
+                  <a:pt x="21503148" y="0"/>
+                </a:lnTo>
+                <a:lnTo>
+                  <a:pt x="0" y="0"/>
+                </a:lnTo>
+                <a:lnTo>
+                  <a:pt x="0" y="3038168"/>
+                </a:lnTo>
+              </a:path>
+            </a:pathLst>
+          </a:custGeom>
+          <a:solidFill>
+            <a:srgbClr val="4F81BD"/>
+          </a:solidFill>
+          <a:ln>
+            <a:solidFill>
+              <a:srgbClr val="4F81BD"/>
+            </a:solidFill>
+          </a:ln>
+        </p:spPr>
+        <p:style>
+          <a:lnRef idx="2">
+            <a:schemeClr val="accent1">
+              <a:shade val="50000"/>
+            </a:schemeClr>
+          </a:lnRef>
+          <a:fillRef idx="1">
+            <a:schemeClr val="accent1"/>
+          </a:fillRef>
+          <a:effectRef idx="0">
+            <a:schemeClr val="accent1"/>
+          </a:effectRef>
+          <a:fontRef idx="minor">
+            <a:schemeClr val="lt1"/>
+          </a:fontRef>
+        </p:style>
+        <p:txBody>
+          <a:bodyPr rtlCol="0" anchor="ctr"/>
+          <a:lstStyle/>
+          <a:p>
+            <a:pPr algn="ctr"/>
+            <a:endParaRPr lang="zh-TW" altLang="en-US"/>
+          </a:p>
+        </p:txBody>
+      </p:sp>
+      <p:sp>
+        <p:nvSpPr>
+          <p:cNvPr id="3" name="矩形 2"/>
+          <p:cNvSpPr/>
+          <p:nvPr userDrawn="1"/>
+        </p:nvSpPr>
+        <p:spPr>
+          <a:xfrm>
+            <a:off x="7921030" y="392032"/>
+            <a:ext cx="13681671" cy="3416320"/>
+          </a:xfrm>
+          <a:prstGeom prst="rect">
+            <a:avLst/>
+          </a:prstGeom>
+          <a:noFill/>
+        </p:spPr>
+        <p:txBody>
+          <a:bodyPr wrap="square">
+            <a:spAutoFit/>
+          </a:bodyPr>
+          <a:lstStyle/>
+          <a:p>
+            <a:pPr marL="0" marR="0" indent="0" algn="l" defTabSz="3084513" rtl="0" eaLnBrk="1" fontAlgn="base" latinLnBrk="0" hangingPunct="1">
+              <a:lnSpc>
+                <a:spcPct val="100000"/>
+              </a:lnSpc>
+              <a:spcBef>
+                <a:spcPct val="0"/>
+              </a:spcBef>
+              <a:spcAft>
+                <a:spcPct val="0"/>
+              </a:spcAft>
+              <a:buClrTx/>
+              <a:buSzTx/>
+              <a:buFontTx/>
+              <a:buNone/>
+              <a:tabLst/>
+              <a:defRPr/>
+            </a:pPr>
+            <a:r>
+              <a:rPr lang="en-US" altLang="zh-TW" sz="7200" dirty="0" smtClean="0">
+                <a:solidFill>
+                  <a:schemeClr val="bg1"/>
+                </a:solidFill>
+                <a:latin typeface="微軟正黑體" panose="020B0604030504040204" pitchFamily="34" charset="-120"/>
+                <a:ea typeface="微軟正黑體" panose="020B0604030504040204" pitchFamily="34" charset="-120"/>
+              </a:rPr>
+              <a:t>2018</a:t>
+            </a:r>
+            <a:r>
+              <a:rPr lang="zh-TW" altLang="en-US" sz="7200" dirty="0" smtClean="0">
+                <a:solidFill>
+                  <a:schemeClr val="bg1"/>
+                </a:solidFill>
+                <a:latin typeface="微軟正黑體" panose="020B0604030504040204" pitchFamily="34" charset="-120"/>
+                <a:ea typeface="微軟正黑體" panose="020B0604030504040204" pitchFamily="34" charset="-120"/>
+              </a:rPr>
+              <a:t>第</a:t>
+            </a:r>
+            <a:r>
+              <a:rPr lang="en-US" altLang="zh-TW" sz="7200" dirty="0" smtClean="0">
+                <a:solidFill>
+                  <a:schemeClr val="bg1"/>
+                </a:solidFill>
+                <a:latin typeface="微軟正黑體" panose="020B0604030504040204" pitchFamily="34" charset="-120"/>
+                <a:ea typeface="微軟正黑體" panose="020B0604030504040204" pitchFamily="34" charset="-120"/>
+              </a:rPr>
+              <a:t>14</a:t>
+            </a:r>
+            <a:r>
+              <a:rPr lang="zh-TW" altLang="en-US" sz="7200" dirty="0" smtClean="0">
+                <a:solidFill>
+                  <a:schemeClr val="bg1"/>
+                </a:solidFill>
+                <a:latin typeface="微軟正黑體" panose="020B0604030504040204" pitchFamily="34" charset="-120"/>
+                <a:ea typeface="微軟正黑體" panose="020B0604030504040204" pitchFamily="34" charset="-120"/>
+              </a:rPr>
+              <a:t>屆</a:t>
+            </a:r>
+            <a:endParaRPr lang="en-US" altLang="zh-TW" sz="7200" dirty="0" smtClean="0">
+              <a:solidFill>
+                <a:schemeClr val="bg1"/>
+              </a:solidFill>
+              <a:latin typeface="微軟正黑體" panose="020B0604030504040204" pitchFamily="34" charset="-120"/>
+              <a:ea typeface="微軟正黑體" panose="020B0604030504040204" pitchFamily="34" charset="-120"/>
+            </a:endParaRPr>
+          </a:p>
+          <a:p>
+            <a:pPr marL="0" marR="0" indent="0" algn="l" defTabSz="3084513" rtl="0" eaLnBrk="1" fontAlgn="base" latinLnBrk="0" hangingPunct="1">
+              <a:lnSpc>
+                <a:spcPct val="100000"/>
+              </a:lnSpc>
+              <a:spcBef>
+                <a:spcPct val="0"/>
+              </a:spcBef>
+              <a:spcAft>
+                <a:spcPct val="0"/>
+              </a:spcAft>
+              <a:buClrTx/>
+              <a:buSzTx/>
+              <a:buFontTx/>
+              <a:buNone/>
+              <a:tabLst/>
+              <a:defRPr/>
+            </a:pPr>
+            <a:r>
+              <a:rPr lang="zh-TW" altLang="en-US" sz="7200" dirty="0" smtClean="0">
+                <a:solidFill>
+                  <a:schemeClr val="bg1"/>
+                </a:solidFill>
+                <a:latin typeface="微軟正黑體" panose="020B0604030504040204" pitchFamily="34" charset="-120"/>
+                <a:ea typeface="微軟正黑體" panose="020B0604030504040204" pitchFamily="34" charset="-120"/>
+              </a:rPr>
+              <a:t>無線、隨意、及感測網路研討會</a:t>
+            </a:r>
+            <a:endParaRPr lang="en-US" altLang="zh-TW" sz="7200" dirty="0" smtClean="0">
+              <a:solidFill>
+                <a:schemeClr val="bg1"/>
+              </a:solidFill>
+              <a:latin typeface="微軟正黑體" panose="020B0604030504040204" pitchFamily="34" charset="-120"/>
+              <a:ea typeface="微軟正黑體" panose="020B0604030504040204" pitchFamily="34" charset="-120"/>
+            </a:endParaRPr>
+          </a:p>
+          <a:p>
+            <a:pPr marL="0" marR="0" indent="0" algn="l" defTabSz="3084513" rtl="0" eaLnBrk="1" fontAlgn="base" latinLnBrk="0" hangingPunct="1">
+              <a:lnSpc>
+                <a:spcPct val="100000"/>
+              </a:lnSpc>
+              <a:spcBef>
+                <a:spcPct val="0"/>
+              </a:spcBef>
+              <a:spcAft>
+                <a:spcPct val="0"/>
+              </a:spcAft>
+              <a:buClrTx/>
+              <a:buSzTx/>
+              <a:buFontTx/>
+              <a:buNone/>
+              <a:tabLst/>
+              <a:defRPr/>
+            </a:pPr>
+            <a:r>
+              <a:rPr lang="zh-TW" altLang="en-US" sz="7200" dirty="0" smtClean="0">
+                <a:solidFill>
+                  <a:schemeClr val="bg1"/>
+                </a:solidFill>
+                <a:latin typeface="微軟正黑體" panose="020B0604030504040204" pitchFamily="34" charset="-120"/>
+                <a:ea typeface="微軟正黑體" panose="020B0604030504040204" pitchFamily="34" charset="-120"/>
+              </a:rPr>
+              <a:t>暨科技部專題計畫成果發表會</a:t>
+            </a:r>
           </a:p>
         </p:txBody>
       </p:sp>
@@ -4327,160 +4509,6 @@
       </p:pic>
       <p:sp>
         <p:nvSpPr>
-          <p:cNvPr id="3" name="矩形 2"/>
-          <p:cNvSpPr/>
-          <p:nvPr userDrawn="1"/>
-        </p:nvSpPr>
-        <p:spPr>
-          <a:xfrm>
-            <a:off x="7921030" y="392032"/>
-            <a:ext cx="13681671" cy="3416320"/>
-          </a:xfrm>
-          <a:prstGeom prst="rect">
-            <a:avLst/>
-          </a:prstGeom>
-          <a:noFill/>
-        </p:spPr>
-        <p:txBody>
-          <a:bodyPr wrap="square">
-            <a:spAutoFit/>
-          </a:bodyPr>
-          <a:lstStyle/>
-          <a:p>
-            <a:pPr marL="0" marR="0" indent="0" algn="l" defTabSz="3084513" rtl="0" eaLnBrk="1" fontAlgn="base" latinLnBrk="0" hangingPunct="1">
-              <a:lnSpc>
-                <a:spcPct val="100000"/>
-              </a:lnSpc>
-              <a:spcBef>
-                <a:spcPct val="0"/>
-              </a:spcBef>
-              <a:spcAft>
-                <a:spcPct val="0"/>
-              </a:spcAft>
-              <a:buClrTx/>
-              <a:buSzTx/>
-              <a:buFontTx/>
-              <a:buNone/>
-              <a:tabLst/>
-              <a:defRPr/>
-            </a:pPr>
-            <a:r>
-              <a:rPr lang="en-US" altLang="zh-TW" sz="7200" dirty="0" smtClean="0">
-                <a:solidFill>
-                  <a:schemeClr val="bg1"/>
-                </a:solidFill>
-                <a:latin typeface="微軟正黑體" panose="020B0604030504040204" pitchFamily="34" charset="-120"/>
-                <a:ea typeface="微軟正黑體" panose="020B0604030504040204" pitchFamily="34" charset="-120"/>
-              </a:rPr>
-              <a:t>2018</a:t>
-            </a:r>
-            <a:r>
-              <a:rPr lang="zh-TW" altLang="en-US" sz="7200" dirty="0" smtClean="0">
-                <a:solidFill>
-                  <a:schemeClr val="bg1"/>
-                </a:solidFill>
-                <a:latin typeface="微軟正黑體" panose="020B0604030504040204" pitchFamily="34" charset="-120"/>
-                <a:ea typeface="微軟正黑體" panose="020B0604030504040204" pitchFamily="34" charset="-120"/>
-              </a:rPr>
-              <a:t>第</a:t>
-            </a:r>
-            <a:r>
-              <a:rPr lang="en-US" altLang="zh-TW" sz="7200" dirty="0" smtClean="0">
-                <a:solidFill>
-                  <a:schemeClr val="bg1"/>
-                </a:solidFill>
-                <a:latin typeface="微軟正黑體" panose="020B0604030504040204" pitchFamily="34" charset="-120"/>
-                <a:ea typeface="微軟正黑體" panose="020B0604030504040204" pitchFamily="34" charset="-120"/>
-              </a:rPr>
-              <a:t>14</a:t>
-            </a:r>
-            <a:r>
-              <a:rPr lang="zh-TW" altLang="en-US" sz="7200" dirty="0" smtClean="0">
-                <a:solidFill>
-                  <a:schemeClr val="bg1"/>
-                </a:solidFill>
-                <a:latin typeface="微軟正黑體" panose="020B0604030504040204" pitchFamily="34" charset="-120"/>
-                <a:ea typeface="微軟正黑體" panose="020B0604030504040204" pitchFamily="34" charset="-120"/>
-              </a:rPr>
-              <a:t>屆</a:t>
-            </a:r>
-            <a:endParaRPr lang="en-US" altLang="zh-TW" sz="7200" dirty="0" smtClean="0">
-              <a:solidFill>
-                <a:schemeClr val="bg1"/>
-              </a:solidFill>
-              <a:latin typeface="微軟正黑體" panose="020B0604030504040204" pitchFamily="34" charset="-120"/>
-              <a:ea typeface="微軟正黑體" panose="020B0604030504040204" pitchFamily="34" charset="-120"/>
-            </a:endParaRPr>
-          </a:p>
-          <a:p>
-            <a:pPr marL="0" marR="0" indent="0" algn="l" defTabSz="3084513" rtl="0" eaLnBrk="1" fontAlgn="base" latinLnBrk="0" hangingPunct="1">
-              <a:lnSpc>
-                <a:spcPct val="100000"/>
-              </a:lnSpc>
-              <a:spcBef>
-                <a:spcPct val="0"/>
-              </a:spcBef>
-              <a:spcAft>
-                <a:spcPct val="0"/>
-              </a:spcAft>
-              <a:buClrTx/>
-              <a:buSzTx/>
-              <a:buFontTx/>
-              <a:buNone/>
-              <a:tabLst/>
-              <a:defRPr/>
-            </a:pPr>
-            <a:r>
-              <a:rPr lang="zh-TW" altLang="en-US" sz="7200" dirty="0" smtClean="0">
-                <a:solidFill>
-                  <a:schemeClr val="bg1"/>
-                </a:solidFill>
-                <a:latin typeface="微軟正黑體" panose="020B0604030504040204" pitchFamily="34" charset="-120"/>
-                <a:ea typeface="微軟正黑體" panose="020B0604030504040204" pitchFamily="34" charset="-120"/>
-              </a:rPr>
-              <a:t>無線、隨意、及感測網路研討會</a:t>
-            </a:r>
-            <a:endParaRPr lang="en-US" altLang="zh-TW" sz="7200" dirty="0" smtClean="0">
-              <a:solidFill>
-                <a:schemeClr val="bg1"/>
-              </a:solidFill>
-              <a:latin typeface="微軟正黑體" panose="020B0604030504040204" pitchFamily="34" charset="-120"/>
-              <a:ea typeface="微軟正黑體" panose="020B0604030504040204" pitchFamily="34" charset="-120"/>
-            </a:endParaRPr>
-          </a:p>
-          <a:p>
-            <a:pPr marL="0" marR="0" indent="0" algn="l" defTabSz="3084513" rtl="0" eaLnBrk="1" fontAlgn="base" latinLnBrk="0" hangingPunct="1">
-              <a:lnSpc>
-                <a:spcPct val="100000"/>
-              </a:lnSpc>
-              <a:spcBef>
-                <a:spcPct val="0"/>
-              </a:spcBef>
-              <a:spcAft>
-                <a:spcPct val="0"/>
-              </a:spcAft>
-              <a:buClrTx/>
-              <a:buSzTx/>
-              <a:buFontTx/>
-              <a:buNone/>
-              <a:tabLst/>
-              <a:defRPr/>
-            </a:pPr>
-            <a:r>
-              <a:rPr lang="zh-TW" altLang="en-US" sz="7200" dirty="0" smtClean="0">
-                <a:solidFill>
-                  <a:schemeClr val="bg1"/>
-                </a:solidFill>
-                <a:latin typeface="微軟正黑體" panose="020B0604030504040204" pitchFamily="34" charset="-120"/>
-                <a:ea typeface="微軟正黑體" panose="020B0604030504040204" pitchFamily="34" charset="-120"/>
-              </a:rPr>
-              <a:t>暨科技部專題計畫成果發表會</a:t>
-            </a:r>
-          </a:p>
-        </p:txBody>
-      </p:sp>
-      <p:sp>
-        <p:nvSpPr>
           <p:cNvPr id="11" name="矩形 10"/>
           <p:cNvSpPr/>
           <p:nvPr userDrawn="1"/>
@@ -4591,6 +4619,114 @@
               <a:latin typeface="微軟正黑體" panose="020B0604030504040204" pitchFamily="34" charset="-120"/>
               <a:ea typeface="微軟正黑體" panose="020B0604030504040204" pitchFamily="34" charset="-120"/>
             </a:endParaRPr>
+          </a:p>
+        </p:txBody>
+      </p:sp>
+      <p:sp>
+        <p:nvSpPr>
+          <p:cNvPr id="12" name="手繪多邊形 11"/>
+          <p:cNvSpPr/>
+          <p:nvPr userDrawn="1"/>
+        </p:nvSpPr>
+        <p:spPr>
+          <a:xfrm rot="10800000">
+            <a:off x="-3" y="27291257"/>
+            <a:ext cx="21602702" cy="5123256"/>
+          </a:xfrm>
+          <a:custGeom>
+            <a:avLst/>
+            <a:gdLst>
+              <a:gd name="connsiteX0" fmla="*/ 0 w 21591639"/>
+              <a:gd name="connsiteY0" fmla="*/ 3038168 h 6872748"/>
+              <a:gd name="connsiteX1" fmla="*/ 21591639 w 21591639"/>
+              <a:gd name="connsiteY1" fmla="*/ 6872748 h 6872748"/>
+              <a:gd name="connsiteX2" fmla="*/ 21591639 w 21591639"/>
+              <a:gd name="connsiteY2" fmla="*/ 0 h 6872748"/>
+              <a:gd name="connsiteX3" fmla="*/ 88491 w 21591639"/>
+              <a:gd name="connsiteY3" fmla="*/ 0 h 6872748"/>
+              <a:gd name="connsiteX4" fmla="*/ 88491 w 21591639"/>
+              <a:gd name="connsiteY4" fmla="*/ 3038168 h 6872748"/>
+              <a:gd name="connsiteX0" fmla="*/ 4023 w 21503148"/>
+              <a:gd name="connsiteY0" fmla="*/ 3054837 h 6872748"/>
+              <a:gd name="connsiteX1" fmla="*/ 21503148 w 21503148"/>
+              <a:gd name="connsiteY1" fmla="*/ 6872748 h 6872748"/>
+              <a:gd name="connsiteX2" fmla="*/ 21503148 w 21503148"/>
+              <a:gd name="connsiteY2" fmla="*/ 0 h 6872748"/>
+              <a:gd name="connsiteX3" fmla="*/ 0 w 21503148"/>
+              <a:gd name="connsiteY3" fmla="*/ 0 h 6872748"/>
+              <a:gd name="connsiteX4" fmla="*/ 0 w 21503148"/>
+              <a:gd name="connsiteY4" fmla="*/ 3038168 h 6872748"/>
+            </a:gdLst>
+            <a:ahLst/>
+            <a:cxnLst>
+              <a:cxn ang="0">
+                <a:pos x="connsiteX0" y="connsiteY0"/>
+              </a:cxn>
+              <a:cxn ang="0">
+                <a:pos x="connsiteX1" y="connsiteY1"/>
+              </a:cxn>
+              <a:cxn ang="0">
+                <a:pos x="connsiteX2" y="connsiteY2"/>
+              </a:cxn>
+              <a:cxn ang="0">
+                <a:pos x="connsiteX3" y="connsiteY3"/>
+              </a:cxn>
+              <a:cxn ang="0">
+                <a:pos x="connsiteX4" y="connsiteY4"/>
+              </a:cxn>
+            </a:cxnLst>
+            <a:rect l="l" t="t" r="r" b="b"/>
+            <a:pathLst>
+              <a:path w="21503148" h="6872748">
+                <a:moveTo>
+                  <a:pt x="4023" y="3054837"/>
+                </a:moveTo>
+                <a:lnTo>
+                  <a:pt x="21503148" y="6872748"/>
+                </a:lnTo>
+                <a:lnTo>
+                  <a:pt x="21503148" y="0"/>
+                </a:lnTo>
+                <a:lnTo>
+                  <a:pt x="0" y="0"/>
+                </a:lnTo>
+                <a:lnTo>
+                  <a:pt x="0" y="3038168"/>
+                </a:lnTo>
+              </a:path>
+            </a:pathLst>
+          </a:custGeom>
+          <a:solidFill>
+            <a:srgbClr val="4F81BD"/>
+          </a:solidFill>
+          <a:ln>
+            <a:solidFill>
+              <a:srgbClr val="4F81BD"/>
+            </a:solidFill>
+          </a:ln>
+        </p:spPr>
+        <p:style>
+          <a:lnRef idx="2">
+            <a:schemeClr val="accent1">
+              <a:shade val="50000"/>
+            </a:schemeClr>
+          </a:lnRef>
+          <a:fillRef idx="1">
+            <a:schemeClr val="accent1"/>
+          </a:fillRef>
+          <a:effectRef idx="0">
+            <a:schemeClr val="accent1"/>
+          </a:effectRef>
+          <a:fontRef idx="minor">
+            <a:schemeClr val="lt1"/>
+          </a:fontRef>
+        </p:style>
+        <p:txBody>
+          <a:bodyPr rtlCol="0" anchor="ctr"/>
+          <a:lstStyle/>
+          <a:p>
+            <a:pPr algn="ctr"/>
+            <a:endParaRPr lang="zh-TW" altLang="en-US"/>
           </a:p>
         </p:txBody>
       </p:sp>
